--- a/毕设Docs/output/ppt.pptx
+++ b/毕设Docs/output/ppt.pptx
@@ -10,6 +10,8 @@
     <p:sldId id="258" r:id="rId4"/>
     <p:sldId id="259" r:id="rId5"/>
     <p:sldId id="260" r:id="rId6"/>
+    <p:sldId id="261" r:id="rId7"/>
+    <p:sldId id="262" r:id="rId8"/>
   </p:sldIdLst>
   <p:sldSz cx="9144000" cy="6858000" type="screen4x3"/>
   <p:notesSz cx="6858000" cy="9144000"/>
@@ -15488,9 +15490,18 @@
           <a:bodyPr/>
           <a:lstStyle/>
           <a:p>
+            <a:pPr algn="l"/>
             <a:r>
               <a:rPr kumimoji="1" lang="zh-CN" altLang="en-US" dirty="0" smtClean="0"/>
-              <a:t>做了什么</a:t>
+              <a:t>做了什么：数据</a:t>
+            </a:r>
+            <a:r>
+              <a:rPr kumimoji="1" lang="en-US" altLang="zh-CN" dirty="0" smtClean="0"/>
+              <a:t>&amp;</a:t>
+            </a:r>
+            <a:r>
+              <a:rPr kumimoji="1" lang="zh-CN" altLang="en-US" dirty="0" smtClean="0"/>
+              <a:t>统计</a:t>
             </a:r>
             <a:endParaRPr kumimoji="1" lang="zh-CN" altLang="en-US" dirty="0"/>
           </a:p>
@@ -15518,6 +15529,20 @@
           <a:prstGeom prst="rect">
             <a:avLst/>
           </a:prstGeom>
+          <a:ln w="38100" cap="sq">
+            <a:solidFill>
+              <a:srgbClr val="000000"/>
+            </a:solidFill>
+            <a:prstDash val="solid"/>
+            <a:miter lim="800000"/>
+          </a:ln>
+          <a:effectLst>
+            <a:outerShdw blurRad="50800" dist="38100" dir="2700000" algn="tl" rotWithShape="0">
+              <a:srgbClr val="000000">
+                <a:alpha val="43000"/>
+              </a:srgbClr>
+            </a:outerShdw>
+          </a:effectLst>
         </p:spPr>
       </p:pic>
       <p:sp>
@@ -15744,7 +15769,7 @@
         </p:nvSpPr>
         <p:spPr>
           <a:xfrm>
-            <a:off x="4910666" y="2878666"/>
+            <a:off x="4910666" y="2935110"/>
             <a:ext cx="3776134" cy="818445"/>
           </a:xfrm>
           <a:prstGeom prst="roundRect">
@@ -15834,7 +15859,7 @@
         </p:nvSpPr>
         <p:spPr>
           <a:xfrm>
-            <a:off x="4910666" y="3863622"/>
+            <a:off x="4910666" y="3920066"/>
             <a:ext cx="3776134" cy="818445"/>
           </a:xfrm>
           <a:prstGeom prst="roundRect">
@@ -15876,7 +15901,7 @@
         </p:nvSpPr>
         <p:spPr>
           <a:xfrm>
-            <a:off x="4910666" y="4879622"/>
+            <a:off x="4910666" y="4921955"/>
             <a:ext cx="3776134" cy="1653822"/>
           </a:xfrm>
           <a:prstGeom prst="roundRect">
@@ -15969,6 +15994,178 @@
           </a:p>
         </p:txBody>
       </p:sp>
+      <p:pic>
+        <p:nvPicPr>
+          <p:cNvPr id="15" name="图片 14"/>
+          <p:cNvPicPr>
+            <a:picLocks noChangeAspect="1"/>
+          </p:cNvPicPr>
+          <p:nvPr/>
+        </p:nvPicPr>
+        <p:blipFill>
+          <a:blip r:embed="rId3"/>
+          <a:stretch>
+            <a:fillRect/>
+          </a:stretch>
+        </p:blipFill>
+        <p:spPr>
+          <a:xfrm>
+            <a:off x="6358467" y="1238208"/>
+            <a:ext cx="2328333" cy="1015440"/>
+          </a:xfrm>
+          <a:prstGeom prst="snip2DiagRect">
+            <a:avLst/>
+          </a:prstGeom>
+          <a:solidFill>
+            <a:srgbClr val="FFFFFF">
+              <a:shade val="85000"/>
+            </a:srgbClr>
+          </a:solidFill>
+          <a:ln w="88900" cap="sq">
+            <a:solidFill>
+              <a:srgbClr val="FFFFFF"/>
+            </a:solidFill>
+            <a:miter lim="800000"/>
+          </a:ln>
+          <a:effectLst>
+            <a:outerShdw blurRad="88900" algn="tl" rotWithShape="0">
+              <a:srgbClr val="000000">
+                <a:alpha val="45000"/>
+              </a:srgbClr>
+            </a:outerShdw>
+          </a:effectLst>
+          <a:scene3d>
+            <a:camera prst="orthographicFront"/>
+            <a:lightRig rig="twoPt" dir="t">
+              <a:rot lat="0" lon="0" rev="7200000"/>
+            </a:lightRig>
+          </a:scene3d>
+          <a:sp3d>
+            <a:bevelT w="25400" h="19050"/>
+            <a:contourClr>
+              <a:srgbClr val="FFFFFF"/>
+            </a:contourClr>
+          </a:sp3d>
+        </p:spPr>
+      </p:pic>
+      <p:sp>
+        <p:nvSpPr>
+          <p:cNvPr id="16" name="文本框 15"/>
+          <p:cNvSpPr txBox="1"/>
+          <p:nvPr/>
+        </p:nvSpPr>
+        <p:spPr>
+          <a:xfrm>
+            <a:off x="4445000" y="2253648"/>
+            <a:ext cx="4398710" cy="369332"/>
+          </a:xfrm>
+          <a:prstGeom prst="rect">
+            <a:avLst/>
+          </a:prstGeom>
+          <a:noFill/>
+        </p:spPr>
+        <p:txBody>
+          <a:bodyPr wrap="none" rtlCol="0">
+            <a:spAutoFit/>
+          </a:bodyPr>
+          <a:lstStyle/>
+          <a:p>
+            <a:r>
+              <a:rPr kumimoji="1" lang="en-US" altLang="zh-CN" dirty="0">
+                <a:hlinkClick r:id="rId4"/>
+              </a:rPr>
+              <a:t>https://</a:t>
+            </a:r>
+            <a:r>
+              <a:rPr kumimoji="1" lang="en-US" altLang="zh-CN" dirty="0" err="1">
+                <a:hlinkClick r:id="rId4"/>
+              </a:rPr>
+              <a:t>github.com</a:t>
+            </a:r>
+            <a:r>
+              <a:rPr kumimoji="1" lang="en-US" altLang="zh-CN" dirty="0">
+                <a:hlinkClick r:id="rId4"/>
+              </a:rPr>
+              <a:t>/</a:t>
+            </a:r>
+            <a:r>
+              <a:rPr kumimoji="1" lang="en-US" altLang="zh-CN" dirty="0" err="1">
+                <a:hlinkClick r:id="rId4"/>
+              </a:rPr>
+              <a:t>sdujq</a:t>
+            </a:r>
+            <a:r>
+              <a:rPr kumimoji="1" lang="en-US" altLang="zh-CN" dirty="0">
+                <a:hlinkClick r:id="rId4"/>
+              </a:rPr>
+              <a:t>/</a:t>
+            </a:r>
+            <a:r>
+              <a:rPr kumimoji="1" lang="en-US" altLang="zh-CN" dirty="0" err="1">
+                <a:hlinkClick r:id="rId4"/>
+              </a:rPr>
+              <a:t>GraduationDesign</a:t>
+            </a:r>
+            <a:endParaRPr kumimoji="1" lang="zh-CN" altLang="en-US" dirty="0"/>
+          </a:p>
+        </p:txBody>
+      </p:sp>
+      <p:pic>
+        <p:nvPicPr>
+          <p:cNvPr id="17" name="图片 16"/>
+          <p:cNvPicPr>
+            <a:picLocks noChangeAspect="1"/>
+          </p:cNvPicPr>
+          <p:nvPr/>
+        </p:nvPicPr>
+        <p:blipFill>
+          <a:blip r:embed="rId5"/>
+          <a:stretch>
+            <a:fillRect/>
+          </a:stretch>
+        </p:blipFill>
+        <p:spPr>
+          <a:xfrm>
+            <a:off x="4849652" y="1459663"/>
+            <a:ext cx="1095784" cy="662592"/>
+          </a:xfrm>
+          <a:prstGeom prst="rect">
+            <a:avLst/>
+          </a:prstGeom>
+          <a:solidFill>
+            <a:srgbClr val="FFFFFF">
+              <a:shade val="85000"/>
+            </a:srgbClr>
+          </a:solidFill>
+          <a:ln w="190500" cap="sq">
+            <a:solidFill>
+              <a:srgbClr val="FFFFFF"/>
+            </a:solidFill>
+            <a:miter lim="800000"/>
+          </a:ln>
+          <a:effectLst>
+            <a:outerShdw blurRad="65000" dist="50800" dir="12900000" kx="195000" ky="145000" algn="tl" rotWithShape="0">
+              <a:srgbClr val="000000">
+                <a:alpha val="30000"/>
+              </a:srgbClr>
+            </a:outerShdw>
+          </a:effectLst>
+          <a:scene3d>
+            <a:camera prst="orthographicFront">
+              <a:rot lat="0" lon="0" rev="360000"/>
+            </a:camera>
+            <a:lightRig rig="twoPt" dir="t">
+              <a:rot lat="0" lon="0" rev="7200000"/>
+            </a:lightRig>
+          </a:scene3d>
+          <a:sp3d contourW="12700">
+            <a:bevelT w="25400" h="19050"/>
+            <a:contourClr>
+              <a:srgbClr val="969696"/>
+            </a:contourClr>
+          </a:sp3d>
+        </p:spPr>
+      </p:pic>
     </p:spTree>
     <p:extLst>
       <p:ext uri="{BB962C8B-B14F-4D97-AF65-F5344CB8AC3E}">
@@ -15986,6 +16183,305 @@
       </p:par>
     </p:tnLst>
   </p:timing>
+</p:sld>
+</file>
+
+<file path=ppt/slides/slide6.xml><?xml version="1.0" encoding="utf-8"?>
+<p:sld xmlns:a="http://schemas.openxmlformats.org/drawingml/2006/main" xmlns:r="http://schemas.openxmlformats.org/officeDocument/2006/relationships" xmlns:p="http://schemas.openxmlformats.org/presentationml/2006/main">
+  <p:cSld>
+    <p:spTree>
+      <p:nvGrpSpPr>
+        <p:cNvPr id="1" name=""/>
+        <p:cNvGrpSpPr/>
+        <p:nvPr/>
+      </p:nvGrpSpPr>
+      <p:grpSpPr>
+        <a:xfrm>
+          <a:off x="0" y="0"/>
+          <a:ext cx="0" cy="0"/>
+          <a:chOff x="0" y="0"/>
+          <a:chExt cx="0" cy="0"/>
+        </a:xfrm>
+      </p:grpSpPr>
+      <p:sp>
+        <p:nvSpPr>
+          <p:cNvPr id="2" name="内容占位符 1"/>
+          <p:cNvSpPr>
+            <a:spLocks noGrp="1"/>
+          </p:cNvSpPr>
+          <p:nvPr>
+            <p:ph idx="1"/>
+          </p:nvPr>
+        </p:nvSpPr>
+        <p:spPr>
+          <a:xfrm>
+            <a:off x="338308" y="2511072"/>
+            <a:ext cx="4287241" cy="3615091"/>
+          </a:xfrm>
+        </p:spPr>
+        <p:txBody>
+          <a:bodyPr>
+            <a:normAutofit lnSpcReduction="10000"/>
+          </a:bodyPr>
+          <a:lstStyle/>
+          <a:p>
+            <a:r>
+              <a:rPr kumimoji="1" lang="zh-CN" altLang="en-US" sz="1600" dirty="0" smtClean="0"/>
+              <a:t>使我在熟悉的领域、面对不熟悉的方面、以乐在其中的方式完成了毕设</a:t>
+            </a:r>
+            <a:endParaRPr kumimoji="1" lang="en-US" altLang="zh-CN" sz="1600" dirty="0" smtClean="0"/>
+          </a:p>
+          <a:p>
+            <a:r>
+              <a:rPr kumimoji="1" lang="zh-CN" altLang="en-US" sz="1600" dirty="0" smtClean="0"/>
+              <a:t>系统可为移动应用前端开发者屏蔽后端技术，提供数据服务、统计分析服务和简单易用的前端开发工具包</a:t>
+            </a:r>
+            <a:endParaRPr kumimoji="1" lang="en-US" altLang="zh-CN" sz="1600" dirty="0"/>
+          </a:p>
+          <a:p>
+            <a:r>
+              <a:rPr kumimoji="1" lang="zh-CN" altLang="en-US" sz="1600" dirty="0" smtClean="0"/>
+              <a:t>如第五章所述，系统在数据和传输的思考层面以不涉及业务逻辑的方式用无表结构的方法处理移动应用开发中面对的问题，具有通用性</a:t>
+            </a:r>
+            <a:endParaRPr kumimoji="1" lang="en-US" altLang="zh-CN" sz="1600" dirty="0" smtClean="0"/>
+          </a:p>
+          <a:p>
+            <a:r>
+              <a:rPr kumimoji="1" lang="zh-CN" altLang="en-US" sz="1600" dirty="0" smtClean="0"/>
+              <a:t>如第五章所述，系统使用分布式部署提高安全与性能，使用动态语言编写服务端便于扩展，以现有成熟服务器技术进行部署提高运行效率，编写移动优先的</a:t>
+            </a:r>
+            <a:r>
+              <a:rPr kumimoji="1" lang="en-US" altLang="zh-CN" sz="1600" dirty="0" smtClean="0"/>
+              <a:t>Android</a:t>
+            </a:r>
+            <a:r>
+              <a:rPr kumimoji="1" lang="en-US" altLang="zh-CN" sz="1600" dirty="0"/>
+              <a:t>/</a:t>
+            </a:r>
+            <a:r>
+              <a:rPr kumimoji="1" lang="en-US" altLang="zh-CN" sz="1600" dirty="0" smtClean="0"/>
+              <a:t>IOS SDK</a:t>
+            </a:r>
+            <a:r>
+              <a:rPr kumimoji="1" lang="zh-CN" altLang="en-US" sz="1600" dirty="0" smtClean="0"/>
+              <a:t>方便开发者。数据存储查询方便，统计服务全面直观，具有可用性</a:t>
+            </a:r>
+            <a:endParaRPr kumimoji="1" lang="en-US" altLang="zh-CN" sz="1600" dirty="0" smtClean="0"/>
+          </a:p>
+        </p:txBody>
+      </p:sp>
+      <p:sp>
+        <p:nvSpPr>
+          <p:cNvPr id="3" name="标题 2"/>
+          <p:cNvSpPr>
+            <a:spLocks noGrp="1"/>
+          </p:cNvSpPr>
+          <p:nvPr>
+            <p:ph type="title"/>
+          </p:nvPr>
+        </p:nvSpPr>
+        <p:spPr/>
+        <p:txBody>
+          <a:bodyPr/>
+          <a:lstStyle/>
+          <a:p>
+            <a:r>
+              <a:rPr kumimoji="1" lang="zh-CN" altLang="en-US" dirty="0" smtClean="0"/>
+              <a:t>上述工作的意义</a:t>
+            </a:r>
+            <a:endParaRPr kumimoji="1" lang="zh-CN" altLang="en-US" dirty="0"/>
+          </a:p>
+        </p:txBody>
+      </p:sp>
+      <p:pic>
+        <p:nvPicPr>
+          <p:cNvPr id="4" name="图片 3"/>
+          <p:cNvPicPr>
+            <a:picLocks noChangeAspect="1"/>
+          </p:cNvPicPr>
+          <p:nvPr/>
+        </p:nvPicPr>
+        <p:blipFill>
+          <a:blip r:embed="rId2"/>
+          <a:stretch>
+            <a:fillRect/>
+          </a:stretch>
+        </p:blipFill>
+        <p:spPr>
+          <a:xfrm>
+            <a:off x="4744442" y="4835096"/>
+            <a:ext cx="4348481" cy="1603175"/>
+          </a:xfrm>
+          <a:prstGeom prst="rect">
+            <a:avLst/>
+          </a:prstGeom>
+        </p:spPr>
+      </p:pic>
+      <p:pic>
+        <p:nvPicPr>
+          <p:cNvPr id="5" name="图片 4"/>
+          <p:cNvPicPr>
+            <a:picLocks noChangeAspect="1"/>
+          </p:cNvPicPr>
+          <p:nvPr/>
+        </p:nvPicPr>
+        <p:blipFill>
+          <a:blip r:embed="rId3"/>
+          <a:stretch>
+            <a:fillRect/>
+          </a:stretch>
+        </p:blipFill>
+        <p:spPr>
+          <a:xfrm>
+            <a:off x="4625549" y="2675466"/>
+            <a:ext cx="4467374" cy="753533"/>
+          </a:xfrm>
+          <a:prstGeom prst="rect">
+            <a:avLst/>
+          </a:prstGeom>
+        </p:spPr>
+      </p:pic>
+      <p:pic>
+        <p:nvPicPr>
+          <p:cNvPr id="6" name="图片 5"/>
+          <p:cNvPicPr>
+            <a:picLocks noChangeAspect="1"/>
+          </p:cNvPicPr>
+          <p:nvPr/>
+        </p:nvPicPr>
+        <p:blipFill>
+          <a:blip r:embed="rId4"/>
+          <a:stretch>
+            <a:fillRect/>
+          </a:stretch>
+        </p:blipFill>
+        <p:spPr>
+          <a:xfrm>
+            <a:off x="4744442" y="3777681"/>
+            <a:ext cx="4295842" cy="579680"/>
+          </a:xfrm>
+          <a:prstGeom prst="rect">
+            <a:avLst/>
+          </a:prstGeom>
+        </p:spPr>
+      </p:pic>
+    </p:spTree>
+    <p:extLst>
+      <p:ext uri="{BB962C8B-B14F-4D97-AF65-F5344CB8AC3E}">
+        <p14:creationId xmlns:p14="http://schemas.microsoft.com/office/powerpoint/2010/main" val="325511558"/>
+      </p:ext>
+    </p:extLst>
+  </p:cSld>
+  <p:clrMapOvr>
+    <a:masterClrMapping/>
+  </p:clrMapOvr>
+  <p:timing>
+    <p:tnLst>
+      <p:par>
+        <p:cTn xmlns:p14="http://schemas.microsoft.com/office/powerpoint/2010/main" id="1" dur="indefinite" restart="never" nodeType="tmRoot"/>
+      </p:par>
+    </p:tnLst>
+  </p:timing>
+</p:sld>
+</file>
+
+<file path=ppt/slides/slide7.xml><?xml version="1.0" encoding="utf-8"?>
+<p:sld xmlns:a="http://schemas.openxmlformats.org/drawingml/2006/main" xmlns:r="http://schemas.openxmlformats.org/officeDocument/2006/relationships" xmlns:p="http://schemas.openxmlformats.org/presentationml/2006/main">
+  <p:cSld>
+    <p:spTree>
+      <p:nvGrpSpPr>
+        <p:cNvPr id="1" name=""/>
+        <p:cNvGrpSpPr/>
+        <p:nvPr/>
+      </p:nvGrpSpPr>
+      <p:grpSpPr>
+        <a:xfrm>
+          <a:off x="0" y="0"/>
+          <a:ext cx="0" cy="0"/>
+          <a:chOff x="0" y="0"/>
+          <a:chExt cx="0" cy="0"/>
+        </a:xfrm>
+      </p:grpSpPr>
+      <p:sp>
+        <p:nvSpPr>
+          <p:cNvPr id="3" name="标题 2"/>
+          <p:cNvSpPr>
+            <a:spLocks noGrp="1"/>
+          </p:cNvSpPr>
+          <p:nvPr>
+            <p:ph type="title"/>
+          </p:nvPr>
+        </p:nvSpPr>
+        <p:spPr>
+          <a:xfrm>
+            <a:off x="457200" y="2893197"/>
+            <a:ext cx="8229600" cy="1252728"/>
+          </a:xfrm>
+        </p:spPr>
+        <p:txBody>
+          <a:bodyPr>
+            <a:noAutofit/>
+          </a:bodyPr>
+          <a:lstStyle/>
+          <a:p>
+            <a:r>
+              <a:rPr kumimoji="1" lang="en-US" altLang="en-US" sz="9600" b="1" dirty="0" smtClean="0">
+                <a:ln w="19050">
+                  <a:solidFill>
+                    <a:schemeClr val="tx2">
+                      <a:tint val="1000"/>
+                    </a:schemeClr>
+                  </a:solidFill>
+                  <a:prstDash val="solid"/>
+                </a:ln>
+                <a:solidFill>
+                  <a:schemeClr val="accent3"/>
+                </a:solidFill>
+                <a:effectLst>
+                  <a:outerShdw blurRad="50000" dist="50800" dir="7500000" algn="tl">
+                    <a:srgbClr val="000000">
+                      <a:shade val="5000"/>
+                      <a:alpha val="35000"/>
+                    </a:srgbClr>
+                  </a:outerShdw>
+                </a:effectLst>
+              </a:rPr>
+              <a:t>Thanks</a:t>
+            </a:r>
+            <a:endParaRPr kumimoji="1" lang="zh-CN" altLang="en-US" sz="9600" b="1" dirty="0">
+              <a:ln w="19050">
+                <a:solidFill>
+                  <a:schemeClr val="tx2">
+                    <a:tint val="1000"/>
+                  </a:schemeClr>
+                </a:solidFill>
+                <a:prstDash val="solid"/>
+              </a:ln>
+              <a:solidFill>
+                <a:schemeClr val="accent3"/>
+              </a:solidFill>
+              <a:effectLst>
+                <a:outerShdw blurRad="50000" dist="50800" dir="7500000" algn="tl">
+                  <a:srgbClr val="000000">
+                    <a:shade val="5000"/>
+                    <a:alpha val="35000"/>
+                  </a:srgbClr>
+                </a:outerShdw>
+              </a:effectLst>
+            </a:endParaRPr>
+          </a:p>
+        </p:txBody>
+      </p:sp>
+    </p:spTree>
+    <p:extLst>
+      <p:ext uri="{BB962C8B-B14F-4D97-AF65-F5344CB8AC3E}">
+        <p14:creationId xmlns:p14="http://schemas.microsoft.com/office/powerpoint/2010/main" val="1314586998"/>
+      </p:ext>
+    </p:extLst>
+  </p:cSld>
+  <p:clrMapOvr>
+    <a:masterClrMapping/>
+  </p:clrMapOvr>
 </p:sld>
 </file>
 

--- a/毕设Docs/output/ppt.pptx
+++ b/毕设Docs/output/ppt.pptx
@@ -1926,7 +1926,7 @@
             <a:fld id="{E30E2307-1E40-4E12-8716-25BFDA8E7013}" type="datetime1">
               <a:rPr lang="en-US" smtClean="0"/>
               <a:pPr/>
-              <a:t>13-5-26</a:t>
+              <a:t>13-5-27</a:t>
             </a:fld>
             <a:endParaRPr lang="en-US"/>
           </a:p>
@@ -2109,7 +2109,7 @@
             <a:fld id="{E5CFCF5A-EA79-452C-A52C-1A2668C2E7DF}" type="datetime1">
               <a:rPr lang="en-US" smtClean="0"/>
               <a:pPr/>
-              <a:t>13-5-26</a:t>
+              <a:t>13-5-27</a:t>
             </a:fld>
             <a:endParaRPr lang="en-US"/>
           </a:p>
@@ -2262,7 +2262,7 @@
             <a:fld id="{2E5C4C28-BD4B-4892-9A2D-6E19BD753A9A}" type="datetime1">
               <a:rPr lang="en-US" smtClean="0"/>
               <a:pPr/>
-              <a:t>13-5-26</a:t>
+              <a:t>13-5-27</a:t>
             </a:fld>
             <a:endParaRPr lang="en-US"/>
           </a:p>
@@ -4090,7 +4090,7 @@
             <a:fld id="{61FD9D02-426E-46C9-9EE9-0DE1EF8B2838}" type="datetime1">
               <a:rPr lang="en-US" smtClean="0"/>
               <a:pPr/>
-              <a:t>13-5-26</a:t>
+              <a:t>13-5-27</a:t>
             </a:fld>
             <a:endParaRPr lang="en-US"/>
           </a:p>
@@ -5962,7 +5962,7 @@
             <a:fld id="{7B8AEBBE-F8B2-42CF-9895-E86A608384EB}" type="datetime1">
               <a:rPr lang="en-US" smtClean="0"/>
               <a:pPr/>
-              <a:t>13-5-26</a:t>
+              <a:t>13-5-27</a:t>
             </a:fld>
             <a:endParaRPr lang="en-US"/>
           </a:p>
@@ -6077,7 +6077,7 @@
             <a:fld id="{E1FAA6B6-10E5-4810-BC9F-DA72D8452E73}" type="datetime1">
               <a:rPr lang="en-US" smtClean="0"/>
               <a:pPr/>
-              <a:t>13-5-26</a:t>
+              <a:t>13-5-27</a:t>
             </a:fld>
             <a:endParaRPr lang="en-US"/>
           </a:p>
@@ -6620,7 +6620,7 @@
             <a:fld id="{6D18D072-EF12-4AA2-BD71-ABC68B06D0E2}" type="datetime1">
               <a:rPr lang="en-US" smtClean="0"/>
               <a:pPr/>
-              <a:t>13-5-26</a:t>
+              <a:t>13-5-27</a:t>
             </a:fld>
             <a:endParaRPr lang="en-US"/>
           </a:p>
@@ -6735,7 +6735,7 @@
             <a:fld id="{B8CDBF60-6CC3-4B74-A60D-3486985E4346}" type="datetime1">
               <a:rPr lang="en-US" smtClean="0"/>
               <a:pPr/>
-              <a:t>13-5-26</a:t>
+              <a:t>13-5-27</a:t>
             </a:fld>
             <a:endParaRPr lang="en-US"/>
           </a:p>
@@ -8448,7 +8448,7 @@
             <a:fld id="{22714818-984F-4759-BF72-A33BDC1963BD}" type="datetime1">
               <a:rPr lang="en-US" smtClean="0"/>
               <a:pPr/>
-              <a:t>13-5-26</a:t>
+              <a:t>13-5-27</a:t>
             </a:fld>
             <a:endParaRPr lang="en-US"/>
           </a:p>
@@ -8601,7 +8601,7 @@
             <a:fld id="{9EA7E191-5F94-4FC1-B823-BD7CABF7FA06}" type="datetime1">
               <a:rPr lang="en-US" smtClean="0"/>
               <a:pPr/>
-              <a:t>13-5-26</a:t>
+              <a:t>13-5-27</a:t>
             </a:fld>
             <a:endParaRPr lang="en-US"/>
           </a:p>
@@ -12218,7 +12218,7 @@
             <a:fld id="{88856D55-EFBE-4F9B-8A5F-09D42CA22A9B}" type="datetime1">
               <a:rPr lang="en-US" smtClean="0"/>
               <a:pPr/>
-              <a:t>13-5-26</a:t>
+              <a:t>13-5-27</a:t>
             </a:fld>
             <a:endParaRPr lang="en-US"/>
           </a:p>
@@ -14079,7 +14079,7 @@
             <a:fld id="{9D1D110F-3F4E-48D9-B8AA-5D0E825AFDBA}" type="datetime1">
               <a:rPr lang="en-US" smtClean="0"/>
               <a:pPr/>
-              <a:t>13-5-26</a:t>
+              <a:t>13-5-27</a:t>
             </a:fld>
             <a:endParaRPr lang="en-US"/>
           </a:p>
@@ -15041,11 +15041,7 @@
             </a:r>
             <a:r>
               <a:rPr lang="zh-CN" altLang="zh-CN" dirty="0"/>
-              <a:t>非常重要的行业环节</a:t>
-            </a:r>
-            <a:r>
-              <a:rPr lang="zh-CN" altLang="zh-CN" dirty="0"/>
-              <a:t> </a:t>
+              <a:t>非常重要的行业环节 </a:t>
             </a:r>
             <a:endParaRPr lang="en-US" altLang="zh-CN" dirty="0" smtClean="0"/>
           </a:p>
@@ -15337,11 +15333,7 @@
             </a:r>
             <a:r>
               <a:rPr kumimoji="1" lang="zh-CN" altLang="en-US" dirty="0" smtClean="0"/>
-              <a:t>等</a:t>
-            </a:r>
-            <a:r>
-              <a:rPr kumimoji="1" lang="zh-CN" altLang="en-US" dirty="0" smtClean="0"/>
-              <a:t>实现一个简单的后端服务框架</a:t>
+              <a:t>等实现一个简单的后端服务框架</a:t>
             </a:r>
             <a:endParaRPr kumimoji="1" lang="en-US" altLang="zh-CN" dirty="0"/>
           </a:p>
@@ -16166,6 +16158,30 @@
           </a:sp3d>
         </p:spPr>
       </p:pic>
+      <p:pic>
+        <p:nvPicPr>
+          <p:cNvPr id="18" name="图片 17"/>
+          <p:cNvPicPr>
+            <a:picLocks noChangeAspect="1"/>
+          </p:cNvPicPr>
+          <p:nvPr/>
+        </p:nvPicPr>
+        <p:blipFill>
+          <a:blip r:embed="rId6"/>
+          <a:stretch>
+            <a:fillRect/>
+          </a:stretch>
+        </p:blipFill>
+        <p:spPr>
+          <a:xfrm>
+            <a:off x="3717414" y="6019870"/>
+            <a:ext cx="1132238" cy="659652"/>
+          </a:xfrm>
+          <a:prstGeom prst="rect">
+            <a:avLst/>
+          </a:prstGeom>
+        </p:spPr>
+      </p:pic>
     </p:spTree>
     <p:extLst>
       <p:ext uri="{BB962C8B-B14F-4D97-AF65-F5344CB8AC3E}">
@@ -16203,6 +16219,30 @@
           <a:chExt cx="0" cy="0"/>
         </a:xfrm>
       </p:grpSpPr>
+      <p:pic>
+        <p:nvPicPr>
+          <p:cNvPr id="8" name="图片 7"/>
+          <p:cNvPicPr>
+            <a:picLocks noChangeAspect="1"/>
+          </p:cNvPicPr>
+          <p:nvPr/>
+        </p:nvPicPr>
+        <p:blipFill>
+          <a:blip r:embed="rId2"/>
+          <a:stretch>
+            <a:fillRect/>
+          </a:stretch>
+        </p:blipFill>
+        <p:spPr>
+          <a:xfrm>
+            <a:off x="4397910" y="1335540"/>
+            <a:ext cx="1479106" cy="1807004"/>
+          </a:xfrm>
+          <a:prstGeom prst="rect">
+            <a:avLst/>
+          </a:prstGeom>
+        </p:spPr>
+      </p:pic>
       <p:sp>
         <p:nvSpPr>
           <p:cNvPr id="2" name="内容占位符 1"/>
@@ -16302,7 +16342,7 @@
           <p:nvPr/>
         </p:nvPicPr>
         <p:blipFill>
-          <a:blip r:embed="rId2"/>
+          <a:blip r:embed="rId3"/>
           <a:stretch>
             <a:fillRect/>
           </a:stretch>
@@ -16326,7 +16366,7 @@
           <p:nvPr/>
         </p:nvPicPr>
         <p:blipFill>
-          <a:blip r:embed="rId3"/>
+          <a:blip r:embed="rId4"/>
           <a:stretch>
             <a:fillRect/>
           </a:stretch>
@@ -16350,7 +16390,7 @@
           <p:nvPr/>
         </p:nvPicPr>
         <p:blipFill>
-          <a:blip r:embed="rId4"/>
+          <a:blip r:embed="rId5"/>
           <a:stretch>
             <a:fillRect/>
           </a:stretch>
@@ -16359,6 +16399,30 @@
           <a:xfrm>
             <a:off x="4744442" y="3777681"/>
             <a:ext cx="4295842" cy="579680"/>
+          </a:xfrm>
+          <a:prstGeom prst="rect">
+            <a:avLst/>
+          </a:prstGeom>
+        </p:spPr>
+      </p:pic>
+      <p:pic>
+        <p:nvPicPr>
+          <p:cNvPr id="7" name="图片 6"/>
+          <p:cNvPicPr>
+            <a:picLocks noChangeAspect="1"/>
+          </p:cNvPicPr>
+          <p:nvPr/>
+        </p:nvPicPr>
+        <p:blipFill>
+          <a:blip r:embed="rId6"/>
+          <a:stretch>
+            <a:fillRect/>
+          </a:stretch>
+        </p:blipFill>
+        <p:spPr>
+          <a:xfrm>
+            <a:off x="6916049" y="1123800"/>
+            <a:ext cx="2006405" cy="1440744"/>
           </a:xfrm>
           <a:prstGeom prst="rect">
             <a:avLst/>
@@ -16482,6 +16546,13 @@
   <p:clrMapOvr>
     <a:masterClrMapping/>
   </p:clrMapOvr>
+  <p:timing>
+    <p:tnLst>
+      <p:par>
+        <p:cTn xmlns:p14="http://schemas.microsoft.com/office/powerpoint/2010/main" id="1" dur="indefinite" restart="never" nodeType="tmRoot"/>
+      </p:par>
+    </p:tnLst>
+  </p:timing>
 </p:sld>
 </file>
 

--- a/毕设Docs/output/ppt.pptx
+++ b/毕设Docs/output/ppt.pptx
@@ -14609,7 +14609,7 @@
         </p:nvSpPr>
         <p:spPr>
           <a:xfrm>
-            <a:off x="1" y="1121136"/>
+            <a:off x="1" y="330914"/>
             <a:ext cx="9143999" cy="1320086"/>
           </a:xfrm>
         </p:spPr>
@@ -14639,7 +14639,7 @@
         </p:nvSpPr>
         <p:spPr>
           <a:xfrm>
-            <a:off x="1371600" y="3810001"/>
+            <a:off x="4038599" y="4953008"/>
             <a:ext cx="6400800" cy="945443"/>
           </a:xfrm>
         </p:spPr>
@@ -14682,6 +14682,232 @@
           </a:p>
         </p:txBody>
       </p:sp>
+      <p:pic>
+        <p:nvPicPr>
+          <p:cNvPr id="4" name="图片 3"/>
+          <p:cNvPicPr>
+            <a:picLocks noChangeAspect="1"/>
+          </p:cNvPicPr>
+          <p:nvPr/>
+        </p:nvPicPr>
+        <p:blipFill>
+          <a:blip r:embed="rId2"/>
+          <a:stretch>
+            <a:fillRect/>
+          </a:stretch>
+        </p:blipFill>
+        <p:spPr>
+          <a:xfrm>
+            <a:off x="412482" y="2040583"/>
+            <a:ext cx="5111754" cy="3192470"/>
+          </a:xfrm>
+          <a:prstGeom prst="rect">
+            <a:avLst/>
+          </a:prstGeom>
+          <a:ln>
+            <a:noFill/>
+          </a:ln>
+          <a:effectLst>
+            <a:outerShdw blurRad="292100" dist="139700" dir="2700000" algn="tl" rotWithShape="0">
+              <a:srgbClr val="333333">
+                <a:alpha val="65000"/>
+              </a:srgbClr>
+            </a:outerShdw>
+          </a:effectLst>
+        </p:spPr>
+      </p:pic>
+      <p:pic>
+        <p:nvPicPr>
+          <p:cNvPr id="5" name="图片 4"/>
+          <p:cNvPicPr>
+            <a:picLocks noChangeAspect="1"/>
+          </p:cNvPicPr>
+          <p:nvPr/>
+        </p:nvPicPr>
+        <p:blipFill>
+          <a:blip r:embed="rId3"/>
+          <a:stretch>
+            <a:fillRect/>
+          </a:stretch>
+        </p:blipFill>
+        <p:spPr>
+          <a:xfrm>
+            <a:off x="7099300" y="2550759"/>
+            <a:ext cx="1509889" cy="766466"/>
+          </a:xfrm>
+          <a:prstGeom prst="roundRect">
+            <a:avLst>
+              <a:gd name="adj" fmla="val 16667"/>
+            </a:avLst>
+          </a:prstGeom>
+          <a:ln>
+            <a:noFill/>
+          </a:ln>
+          <a:effectLst>
+            <a:outerShdw blurRad="152400" dist="12000" dir="900000" sy="98000" kx="110000" ky="200000" algn="tl" rotWithShape="0">
+              <a:srgbClr val="000000">
+                <a:alpha val="30000"/>
+              </a:srgbClr>
+            </a:outerShdw>
+          </a:effectLst>
+          <a:scene3d>
+            <a:camera prst="perspectiveRelaxed">
+              <a:rot lat="19800000" lon="1200000" rev="20820000"/>
+            </a:camera>
+            <a:lightRig rig="threePt" dir="t"/>
+          </a:scene3d>
+          <a:sp3d contourW="6350" prstMaterial="matte">
+            <a:bevelT w="101600" h="101600"/>
+            <a:contourClr>
+              <a:srgbClr val="969696"/>
+            </a:contourClr>
+          </a:sp3d>
+        </p:spPr>
+      </p:pic>
+      <p:pic>
+        <p:nvPicPr>
+          <p:cNvPr id="6" name="图片 5"/>
+          <p:cNvPicPr>
+            <a:picLocks noChangeAspect="1"/>
+          </p:cNvPicPr>
+          <p:nvPr/>
+        </p:nvPicPr>
+        <p:blipFill>
+          <a:blip r:embed="rId4"/>
+          <a:stretch>
+            <a:fillRect/>
+          </a:stretch>
+        </p:blipFill>
+        <p:spPr>
+          <a:xfrm>
+            <a:off x="6293557" y="1657350"/>
+            <a:ext cx="1433690" cy="766466"/>
+          </a:xfrm>
+          <a:prstGeom prst="roundRect">
+            <a:avLst>
+              <a:gd name="adj" fmla="val 16667"/>
+            </a:avLst>
+          </a:prstGeom>
+          <a:ln>
+            <a:noFill/>
+          </a:ln>
+          <a:effectLst>
+            <a:outerShdw blurRad="152400" dist="12000" dir="900000" sy="98000" kx="110000" ky="200000" algn="tl" rotWithShape="0">
+              <a:srgbClr val="000000">
+                <a:alpha val="30000"/>
+              </a:srgbClr>
+            </a:outerShdw>
+          </a:effectLst>
+          <a:scene3d>
+            <a:camera prst="perspectiveRelaxed">
+              <a:rot lat="19800000" lon="1200000" rev="20820000"/>
+            </a:camera>
+            <a:lightRig rig="threePt" dir="t"/>
+          </a:scene3d>
+          <a:sp3d contourW="6350" prstMaterial="matte">
+            <a:bevelT w="101600" h="101600"/>
+            <a:contourClr>
+              <a:srgbClr val="969696"/>
+            </a:contourClr>
+          </a:sp3d>
+        </p:spPr>
+      </p:pic>
+      <p:pic>
+        <p:nvPicPr>
+          <p:cNvPr id="7" name="图片 6"/>
+          <p:cNvPicPr>
+            <a:picLocks noChangeAspect="1"/>
+          </p:cNvPicPr>
+          <p:nvPr/>
+        </p:nvPicPr>
+        <p:blipFill>
+          <a:blip r:embed="rId5"/>
+          <a:stretch>
+            <a:fillRect/>
+          </a:stretch>
+        </p:blipFill>
+        <p:spPr>
+          <a:xfrm>
+            <a:off x="7500058" y="3785520"/>
+            <a:ext cx="1109132" cy="964815"/>
+          </a:xfrm>
+          <a:prstGeom prst="roundRect">
+            <a:avLst>
+              <a:gd name="adj" fmla="val 16667"/>
+            </a:avLst>
+          </a:prstGeom>
+          <a:ln>
+            <a:noFill/>
+          </a:ln>
+          <a:effectLst>
+            <a:outerShdw blurRad="152400" dist="12000" dir="900000" sy="98000" kx="110000" ky="200000" algn="tl" rotWithShape="0">
+              <a:srgbClr val="000000">
+                <a:alpha val="30000"/>
+              </a:srgbClr>
+            </a:outerShdw>
+          </a:effectLst>
+          <a:scene3d>
+            <a:camera prst="perspectiveRelaxed">
+              <a:rot lat="19800000" lon="1200000" rev="20820000"/>
+            </a:camera>
+            <a:lightRig rig="threePt" dir="t"/>
+          </a:scene3d>
+          <a:sp3d contourW="6350" prstMaterial="matte">
+            <a:bevelT w="101600" h="101600"/>
+            <a:contourClr>
+              <a:srgbClr val="969696"/>
+            </a:contourClr>
+          </a:sp3d>
+        </p:spPr>
+      </p:pic>
+      <p:pic>
+        <p:nvPicPr>
+          <p:cNvPr id="8" name="图片 7"/>
+          <p:cNvPicPr>
+            <a:picLocks noChangeAspect="1"/>
+          </p:cNvPicPr>
+          <p:nvPr/>
+        </p:nvPicPr>
+        <p:blipFill>
+          <a:blip r:embed="rId6"/>
+          <a:stretch>
+            <a:fillRect/>
+          </a:stretch>
+        </p:blipFill>
+        <p:spPr>
+          <a:xfrm>
+            <a:off x="5834945" y="3303114"/>
+            <a:ext cx="1509889" cy="964814"/>
+          </a:xfrm>
+          <a:prstGeom prst="roundRect">
+            <a:avLst>
+              <a:gd name="adj" fmla="val 16667"/>
+            </a:avLst>
+          </a:prstGeom>
+          <a:ln>
+            <a:noFill/>
+          </a:ln>
+          <a:effectLst>
+            <a:outerShdw blurRad="152400" dist="12000" dir="900000" sy="98000" kx="110000" ky="200000" algn="tl" rotWithShape="0">
+              <a:srgbClr val="000000">
+                <a:alpha val="30000"/>
+              </a:srgbClr>
+            </a:outerShdw>
+          </a:effectLst>
+          <a:scene3d>
+            <a:camera prst="perspectiveRelaxed">
+              <a:rot lat="19800000" lon="1200000" rev="20820000"/>
+            </a:camera>
+            <a:lightRig rig="threePt" dir="t"/>
+          </a:scene3d>
+          <a:sp3d contourW="6350" prstMaterial="matte">
+            <a:bevelT w="101600" h="101600"/>
+            <a:contourClr>
+              <a:srgbClr val="969696"/>
+            </a:contourClr>
+          </a:sp3d>
+        </p:spPr>
+      </p:pic>
     </p:spTree>
     <p:extLst>
       <p:ext uri="{BB962C8B-B14F-4D97-AF65-F5344CB8AC3E}">
@@ -16235,8 +16461,8 @@
         </p:blipFill>
         <p:spPr>
           <a:xfrm>
-            <a:off x="4397910" y="1335540"/>
-            <a:ext cx="1479106" cy="1807004"/>
+            <a:off x="682977" y="432037"/>
+            <a:ext cx="1588911" cy="1941151"/>
           </a:xfrm>
           <a:prstGeom prst="rect">
             <a:avLst/>
@@ -16421,7 +16647,7 @@
         </p:blipFill>
         <p:spPr>
           <a:xfrm>
-            <a:off x="6916049" y="1123800"/>
+            <a:off x="6887827" y="1095578"/>
             <a:ext cx="2006405" cy="1440744"/>
           </a:xfrm>
           <a:prstGeom prst="rect">
